--- a/Docs/Animal Shelter Management System.pptx
+++ b/Docs/Animal Shelter Management System.pptx
@@ -2015,6 +2015,47 @@
           </a:p>
         </p:txBody>
       </p:sp>
+      <p:sp>
+        <p:nvSpPr>
+          <p:cNvPr id="9" name="TextBox 8">
+            <a:extLst>
+              <a:ext uri="{FF2B5EF4-FFF2-40B4-BE49-F238E27FC236}">
+                <a16:creationId xmlns:a16="http://schemas.microsoft.com/office/drawing/2014/main" id="{F5489200-96C7-4FB5-A8C6-1956CE1BF462}"/>
+              </a:ext>
+            </a:extLst>
+          </p:cNvPr>
+          <p:cNvSpPr txBox="1"/>
+          <p:nvPr/>
+        </p:nvSpPr>
+        <p:spPr>
+          <a:xfrm>
+            <a:off x="2423121" y="4273332"/>
+            <a:ext cx="4131460" cy="646331"/>
+          </a:xfrm>
+          <a:prstGeom prst="rect">
+            <a:avLst/>
+          </a:prstGeom>
+          <a:noFill/>
+        </p:spPr>
+        <p:txBody>
+          <a:bodyPr wrap="square" rtlCol="0">
+            <a:spAutoFit/>
+          </a:bodyPr>
+          <a:lstStyle/>
+          <a:p>
+            <a:r>
+              <a:rPr lang="ru-RU" b="1" dirty="0"/>
+              <a:t>Выполнили: Еремеев И. И., Панов И. С.</a:t>
+            </a:r>
+          </a:p>
+          <a:p>
+            <a:r>
+              <a:rPr lang="ru-RU" b="1" dirty="0"/>
+              <a:t>Преподаватель: Рослова О. А.</a:t>
+            </a:r>
+          </a:p>
+        </p:txBody>
+      </p:sp>
     </p:spTree>
   </p:cSld>
   <p:clrMapOvr>
@@ -2212,14 +2253,14 @@
           <p:nvPr/>
         </p:nvPicPr>
         <p:blipFill>
-          <a:blip r:embed="rId3"/>
+          <a:blip r:embed="rId9"/>
           <a:stretch>
             <a:fillRect/>
           </a:stretch>
         </p:blipFill>
         <p:spPr>
           <a:xfrm>
-            <a:off x="1813557" y="1028471"/>
+            <a:off x="919911" y="888885"/>
             <a:ext cx="4989198" cy="3365729"/>
           </a:xfrm>
           <a:prstGeom prst="rect">
@@ -2242,15 +2283,129 @@
           <p:nvPr/>
         </p:nvPicPr>
         <p:blipFill>
-          <a:blip r:embed="rId4"/>
+          <a:blip r:embed="rId10"/>
           <a:stretch>
             <a:fillRect/>
           </a:stretch>
         </p:blipFill>
         <p:spPr>
           <a:xfrm>
-            <a:off x="5753101" y="1961688"/>
+            <a:off x="5015463" y="1564525"/>
             <a:ext cx="893646" cy="1563879"/>
+          </a:xfrm>
+          <a:prstGeom prst="rect">
+            <a:avLst/>
+          </a:prstGeom>
+        </p:spPr>
+      </p:pic>
+      <p:pic>
+        <p:nvPicPr>
+          <p:cNvPr id="4" name="Untitled video - Made with Clipchamp (3).gif">
+            <a:hlinkClick r:id="" action="ppaction://media"/>
+            <a:extLst>
+              <a:ext uri="{FF2B5EF4-FFF2-40B4-BE49-F238E27FC236}">
+                <a16:creationId xmlns:a16="http://schemas.microsoft.com/office/drawing/2014/main" id="{7746EC76-9CF3-4D1E-81E3-F79ACF25F414}"/>
+              </a:ext>
+            </a:extLst>
+          </p:cNvPr>
+          <p:cNvPicPr>
+            <a:picLocks noChangeAspect="1"/>
+          </p:cNvPicPr>
+          <p:nvPr>
+            <a:videoFile r:link="rId2"/>
+            <p:extLst>
+              <p:ext uri="{DAA4B4D4-6D71-4841-9C94-3DE7FCFB9230}">
+                <p14:media xmlns:p14="http://schemas.microsoft.com/office/powerpoint/2010/main" r:embed="rId1"/>
+              </p:ext>
+            </p:extLst>
+          </p:nvPr>
+        </p:nvPicPr>
+        <p:blipFill>
+          <a:blip r:embed="rId11"/>
+          <a:stretch>
+            <a:fillRect/>
+          </a:stretch>
+        </p:blipFill>
+        <p:spPr>
+          <a:xfrm>
+            <a:off x="7391267" y="60477"/>
+            <a:ext cx="879682" cy="1563879"/>
+          </a:xfrm>
+          <a:prstGeom prst="rect">
+            <a:avLst/>
+          </a:prstGeom>
+        </p:spPr>
+      </p:pic>
+      <p:pic>
+        <p:nvPicPr>
+          <p:cNvPr id="5" name="Untitled video - Made with Clipchamp (2).gif">
+            <a:hlinkClick r:id="" action="ppaction://media"/>
+            <a:extLst>
+              <a:ext uri="{FF2B5EF4-FFF2-40B4-BE49-F238E27FC236}">
+                <a16:creationId xmlns:a16="http://schemas.microsoft.com/office/drawing/2014/main" id="{1587F6AA-1440-45B6-9F26-FBEF0B7B0814}"/>
+              </a:ext>
+            </a:extLst>
+          </p:cNvPr>
+          <p:cNvPicPr>
+            <a:picLocks noChangeAspect="1"/>
+          </p:cNvPicPr>
+          <p:nvPr>
+            <a:videoFile r:link="rId4"/>
+            <p:extLst>
+              <p:ext uri="{DAA4B4D4-6D71-4841-9C94-3DE7FCFB9230}">
+                <p14:media xmlns:p14="http://schemas.microsoft.com/office/powerpoint/2010/main" r:embed="rId3"/>
+              </p:ext>
+            </p:extLst>
+          </p:nvPr>
+        </p:nvPicPr>
+        <p:blipFill>
+          <a:blip r:embed="rId12"/>
+          <a:stretch>
+            <a:fillRect/>
+          </a:stretch>
+        </p:blipFill>
+        <p:spPr>
+          <a:xfrm>
+            <a:off x="7376517" y="1684834"/>
+            <a:ext cx="924950" cy="1644356"/>
+          </a:xfrm>
+          <a:prstGeom prst="rect">
+            <a:avLst/>
+          </a:prstGeom>
+        </p:spPr>
+      </p:pic>
+      <p:pic>
+        <p:nvPicPr>
+          <p:cNvPr id="6" name="Untitled video - Made with Clipchamp (1).gif">
+            <a:hlinkClick r:id="" action="ppaction://media"/>
+            <a:extLst>
+              <a:ext uri="{FF2B5EF4-FFF2-40B4-BE49-F238E27FC236}">
+                <a16:creationId xmlns:a16="http://schemas.microsoft.com/office/drawing/2014/main" id="{B172DE2A-AFAE-4BD9-9DCB-51A716EB9BAF}"/>
+              </a:ext>
+            </a:extLst>
+          </p:cNvPr>
+          <p:cNvPicPr>
+            <a:picLocks noChangeAspect="1"/>
+          </p:cNvPicPr>
+          <p:nvPr>
+            <a:videoFile r:link="rId6"/>
+            <p:extLst>
+              <p:ext uri="{DAA4B4D4-6D71-4841-9C94-3DE7FCFB9230}">
+                <p14:media xmlns:p14="http://schemas.microsoft.com/office/powerpoint/2010/main" r:embed="rId5"/>
+              </p:ext>
+            </p:extLst>
+          </p:nvPr>
+        </p:nvPicPr>
+        <p:blipFill>
+          <a:blip r:embed="rId13"/>
+          <a:stretch>
+            <a:fillRect/>
+          </a:stretch>
+        </p:blipFill>
+        <p:spPr>
+          <a:xfrm>
+            <a:off x="7391267" y="3438667"/>
+            <a:ext cx="924951" cy="1644356"/>
           </a:xfrm>
           <a:prstGeom prst="rect">
             <a:avLst/>
@@ -2267,6 +2422,351 @@
   <p:clrMapOvr>
     <a:masterClrMapping/>
   </p:clrMapOvr>
+  <p:timing>
+    <p:tnLst>
+      <p:par>
+        <p:cTn id="1" dur="indefinite" restart="never" nodeType="tmRoot">
+          <p:childTnLst>
+            <p:seq concurrent="1" nextAc="seek">
+              <p:cTn id="2" dur="indefinite" nodeType="mainSeq">
+                <p:childTnLst>
+                  <p:par>
+                    <p:cTn id="3" fill="hold">
+                      <p:stCondLst>
+                        <p:cond delay="indefinite"/>
+                      </p:stCondLst>
+                      <p:childTnLst>
+                        <p:par>
+                          <p:cTn id="4" fill="hold">
+                            <p:stCondLst>
+                              <p:cond delay="0"/>
+                            </p:stCondLst>
+                            <p:childTnLst>
+                              <p:par>
+                                <p:cTn id="5" presetID="1" presetClass="mediacall" presetSubtype="0" fill="hold" nodeType="clickEffect">
+                                  <p:stCondLst>
+                                    <p:cond delay="0"/>
+                                  </p:stCondLst>
+                                  <p:childTnLst>
+                                    <p:cmd type="call" cmd="playFrom(0.0)">
+                                      <p:cBhvr>
+                                        <p:cTn id="6" dur="2990" fill="hold"/>
+                                        <p:tgtEl>
+                                          <p:spTgt spid="4"/>
+                                        </p:tgtEl>
+                                      </p:cBhvr>
+                                    </p:cmd>
+                                  </p:childTnLst>
+                                </p:cTn>
+                              </p:par>
+                            </p:childTnLst>
+                          </p:cTn>
+                        </p:par>
+                      </p:childTnLst>
+                    </p:cTn>
+                  </p:par>
+                  <p:par>
+                    <p:cTn id="7" fill="hold">
+                      <p:stCondLst>
+                        <p:cond delay="indefinite"/>
+                      </p:stCondLst>
+                      <p:childTnLst>
+                        <p:par>
+                          <p:cTn id="8" fill="hold">
+                            <p:stCondLst>
+                              <p:cond delay="0"/>
+                            </p:stCondLst>
+                            <p:childTnLst>
+                              <p:par>
+                                <p:cTn id="9" presetID="1" presetClass="mediacall" presetSubtype="0" fill="hold" nodeType="clickEffect">
+                                  <p:stCondLst>
+                                    <p:cond delay="0"/>
+                                  </p:stCondLst>
+                                  <p:childTnLst>
+                                    <p:cmd type="call" cmd="playFrom(0.0)">
+                                      <p:cBhvr>
+                                        <p:cTn id="10" dur="2070" fill="hold"/>
+                                        <p:tgtEl>
+                                          <p:spTgt spid="5"/>
+                                        </p:tgtEl>
+                                      </p:cBhvr>
+                                    </p:cmd>
+                                  </p:childTnLst>
+                                </p:cTn>
+                              </p:par>
+                            </p:childTnLst>
+                          </p:cTn>
+                        </p:par>
+                      </p:childTnLst>
+                    </p:cTn>
+                  </p:par>
+                  <p:par>
+                    <p:cTn id="11" fill="hold">
+                      <p:stCondLst>
+                        <p:cond delay="indefinite"/>
+                      </p:stCondLst>
+                      <p:childTnLst>
+                        <p:par>
+                          <p:cTn id="12" fill="hold">
+                            <p:stCondLst>
+                              <p:cond delay="0"/>
+                            </p:stCondLst>
+                            <p:childTnLst>
+                              <p:par>
+                                <p:cTn id="13" presetID="1" presetClass="mediacall" presetSubtype="0" fill="hold" nodeType="clickEffect">
+                                  <p:stCondLst>
+                                    <p:cond delay="0"/>
+                                  </p:stCondLst>
+                                  <p:childTnLst>
+                                    <p:cmd type="call" cmd="playFrom(0.0)">
+                                      <p:cBhvr>
+                                        <p:cTn id="14" dur="2390" fill="hold"/>
+                                        <p:tgtEl>
+                                          <p:spTgt spid="6"/>
+                                        </p:tgtEl>
+                                      </p:cBhvr>
+                                    </p:cmd>
+                                  </p:childTnLst>
+                                </p:cTn>
+                              </p:par>
+                            </p:childTnLst>
+                          </p:cTn>
+                        </p:par>
+                      </p:childTnLst>
+                    </p:cTn>
+                  </p:par>
+                </p:childTnLst>
+              </p:cTn>
+              <p:prevCondLst>
+                <p:cond evt="onPrev" delay="0">
+                  <p:tgtEl>
+                    <p:sldTgt/>
+                  </p:tgtEl>
+                </p:cond>
+              </p:prevCondLst>
+              <p:nextCondLst>
+                <p:cond evt="onNext" delay="0">
+                  <p:tgtEl>
+                    <p:sldTgt/>
+                  </p:tgtEl>
+                </p:cond>
+              </p:nextCondLst>
+            </p:seq>
+            <p:video>
+              <p:cMediaNode vol="80000">
+                <p:cTn id="15" fill="hold" display="0">
+                  <p:stCondLst>
+                    <p:cond delay="indefinite"/>
+                  </p:stCondLst>
+                </p:cTn>
+                <p:tgtEl>
+                  <p:spTgt spid="4"/>
+                </p:tgtEl>
+              </p:cMediaNode>
+            </p:video>
+            <p:seq concurrent="1" nextAc="seek">
+              <p:cTn id="16" restart="whenNotActive" fill="hold" evtFilter="cancelBubble" nodeType="interactiveSeq">
+                <p:stCondLst>
+                  <p:cond evt="onClick" delay="0">
+                    <p:tgtEl>
+                      <p:spTgt spid="4"/>
+                    </p:tgtEl>
+                  </p:cond>
+                </p:stCondLst>
+                <p:endSync evt="end" delay="0">
+                  <p:rtn val="all"/>
+                </p:endSync>
+                <p:childTnLst>
+                  <p:par>
+                    <p:cTn id="17" fill="hold">
+                      <p:stCondLst>
+                        <p:cond delay="0"/>
+                      </p:stCondLst>
+                      <p:childTnLst>
+                        <p:par>
+                          <p:cTn id="18" fill="hold">
+                            <p:stCondLst>
+                              <p:cond delay="0"/>
+                            </p:stCondLst>
+                            <p:childTnLst>
+                              <p:par>
+                                <p:cTn id="19" presetID="2" presetClass="mediacall" presetSubtype="0" fill="hold" nodeType="clickEffect">
+                                  <p:stCondLst>
+                                    <p:cond delay="0"/>
+                                  </p:stCondLst>
+                                  <p:childTnLst>
+                                    <p:cmd type="call" cmd="togglePause">
+                                      <p:cBhvr>
+                                        <p:cTn id="20" dur="1" fill="hold"/>
+                                        <p:tgtEl>
+                                          <p:spTgt spid="4"/>
+                                        </p:tgtEl>
+                                      </p:cBhvr>
+                                    </p:cmd>
+                                  </p:childTnLst>
+                                </p:cTn>
+                              </p:par>
+                            </p:childTnLst>
+                          </p:cTn>
+                        </p:par>
+                      </p:childTnLst>
+                    </p:cTn>
+                  </p:par>
+                </p:childTnLst>
+              </p:cTn>
+              <p:nextCondLst>
+                <p:cond evt="onClick" delay="0">
+                  <p:tgtEl>
+                    <p:spTgt spid="4"/>
+                  </p:tgtEl>
+                </p:cond>
+              </p:nextCondLst>
+            </p:seq>
+            <p:video>
+              <p:cMediaNode vol="80000">
+                <p:cTn id="21" fill="hold" display="0">
+                  <p:stCondLst>
+                    <p:cond delay="indefinite"/>
+                  </p:stCondLst>
+                </p:cTn>
+                <p:tgtEl>
+                  <p:spTgt spid="5"/>
+                </p:tgtEl>
+              </p:cMediaNode>
+            </p:video>
+            <p:seq concurrent="1" nextAc="seek">
+              <p:cTn id="22" restart="whenNotActive" fill="hold" evtFilter="cancelBubble" nodeType="interactiveSeq">
+                <p:stCondLst>
+                  <p:cond evt="onClick" delay="0">
+                    <p:tgtEl>
+                      <p:spTgt spid="5"/>
+                    </p:tgtEl>
+                  </p:cond>
+                </p:stCondLst>
+                <p:endSync evt="end" delay="0">
+                  <p:rtn val="all"/>
+                </p:endSync>
+                <p:childTnLst>
+                  <p:par>
+                    <p:cTn id="23" fill="hold">
+                      <p:stCondLst>
+                        <p:cond delay="0"/>
+                      </p:stCondLst>
+                      <p:childTnLst>
+                        <p:par>
+                          <p:cTn id="24" fill="hold">
+                            <p:stCondLst>
+                              <p:cond delay="0"/>
+                            </p:stCondLst>
+                            <p:childTnLst>
+                              <p:par>
+                                <p:cTn id="25" presetID="2" presetClass="mediacall" presetSubtype="0" fill="hold" nodeType="clickEffect">
+                                  <p:stCondLst>
+                                    <p:cond delay="0"/>
+                                  </p:stCondLst>
+                                  <p:childTnLst>
+                                    <p:cmd type="call" cmd="togglePause">
+                                      <p:cBhvr>
+                                        <p:cTn id="26" dur="1" fill="hold"/>
+                                        <p:tgtEl>
+                                          <p:spTgt spid="5"/>
+                                        </p:tgtEl>
+                                      </p:cBhvr>
+                                    </p:cmd>
+                                  </p:childTnLst>
+                                </p:cTn>
+                              </p:par>
+                            </p:childTnLst>
+                          </p:cTn>
+                        </p:par>
+                      </p:childTnLst>
+                    </p:cTn>
+                  </p:par>
+                </p:childTnLst>
+              </p:cTn>
+              <p:nextCondLst>
+                <p:cond evt="onClick" delay="0">
+                  <p:tgtEl>
+                    <p:spTgt spid="5"/>
+                  </p:tgtEl>
+                </p:cond>
+              </p:nextCondLst>
+            </p:seq>
+            <p:video>
+              <p:cMediaNode vol="80000">
+                <p:cTn id="27" fill="hold" display="0">
+                  <p:stCondLst>
+                    <p:cond delay="indefinite"/>
+                  </p:stCondLst>
+                </p:cTn>
+                <p:tgtEl>
+                  <p:spTgt spid="6"/>
+                </p:tgtEl>
+              </p:cMediaNode>
+            </p:video>
+            <p:seq concurrent="1" nextAc="seek">
+              <p:cTn id="28" restart="whenNotActive" fill="hold" evtFilter="cancelBubble" nodeType="interactiveSeq">
+                <p:stCondLst>
+                  <p:cond evt="onClick" delay="0">
+                    <p:tgtEl>
+                      <p:spTgt spid="6"/>
+                    </p:tgtEl>
+                  </p:cond>
+                </p:stCondLst>
+                <p:endSync evt="end" delay="0">
+                  <p:rtn val="all"/>
+                </p:endSync>
+                <p:childTnLst>
+                  <p:par>
+                    <p:cTn id="29" fill="hold">
+                      <p:stCondLst>
+                        <p:cond delay="0"/>
+                      </p:stCondLst>
+                      <p:childTnLst>
+                        <p:par>
+                          <p:cTn id="30" fill="hold">
+                            <p:stCondLst>
+                              <p:cond delay="0"/>
+                            </p:stCondLst>
+                            <p:childTnLst>
+                              <p:par>
+                                <p:cTn id="31" presetID="2" presetClass="mediacall" presetSubtype="0" fill="hold" nodeType="clickEffect">
+                                  <p:stCondLst>
+                                    <p:cond delay="0"/>
+                                  </p:stCondLst>
+                                  <p:childTnLst>
+                                    <p:cmd type="call" cmd="togglePause">
+                                      <p:cBhvr>
+                                        <p:cTn id="32" dur="1" fill="hold"/>
+                                        <p:tgtEl>
+                                          <p:spTgt spid="6"/>
+                                        </p:tgtEl>
+                                      </p:cBhvr>
+                                    </p:cmd>
+                                  </p:childTnLst>
+                                </p:cTn>
+                              </p:par>
+                            </p:childTnLst>
+                          </p:cTn>
+                        </p:par>
+                      </p:childTnLst>
+                    </p:cTn>
+                  </p:par>
+                </p:childTnLst>
+              </p:cTn>
+              <p:nextCondLst>
+                <p:cond evt="onClick" delay="0">
+                  <p:tgtEl>
+                    <p:spTgt spid="6"/>
+                  </p:tgtEl>
+                </p:cond>
+              </p:nextCondLst>
+            </p:seq>
+          </p:childTnLst>
+        </p:cTn>
+      </p:par>
+    </p:tnLst>
+  </p:timing>
 </p:sld>
 </file>
 
